--- a/voldemort_doc.pptx
+++ b/voldemort_doc.pptx
@@ -10,12 +10,17 @@
     <p:sldId id="261" r:id="rId4"/>
     <p:sldId id="263" r:id="rId5"/>
     <p:sldId id="269" r:id="rId6"/>
-    <p:sldId id="262" r:id="rId7"/>
-    <p:sldId id="268" r:id="rId8"/>
-    <p:sldId id="267" r:id="rId9"/>
-    <p:sldId id="264" r:id="rId10"/>
-    <p:sldId id="259" r:id="rId11"/>
-    <p:sldId id="258" r:id="rId12"/>
+    <p:sldId id="270" r:id="rId7"/>
+    <p:sldId id="271" r:id="rId8"/>
+    <p:sldId id="272" r:id="rId9"/>
+    <p:sldId id="273" r:id="rId10"/>
+    <p:sldId id="274" r:id="rId11"/>
+    <p:sldId id="262" r:id="rId12"/>
+    <p:sldId id="275" r:id="rId13"/>
+    <p:sldId id="268" r:id="rId14"/>
+    <p:sldId id="267" r:id="rId15"/>
+    <p:sldId id="264" r:id="rId16"/>
+    <p:sldId id="258" r:id="rId17"/>
   </p:sldIdLst>
   <p:sldSz cx="12192000" cy="6858000"/>
   <p:notesSz cx="6858000" cy="9144000"/>
@@ -124,7 +129,13 @@
             <p14:sldId id="261"/>
             <p14:sldId id="263"/>
             <p14:sldId id="269"/>
+            <p14:sldId id="270"/>
+            <p14:sldId id="271"/>
+            <p14:sldId id="272"/>
+            <p14:sldId id="273"/>
+            <p14:sldId id="274"/>
             <p14:sldId id="262"/>
+            <p14:sldId id="275"/>
             <p14:sldId id="268"/>
             <p14:sldId id="267"/>
             <p14:sldId id="264"/>
@@ -132,7 +143,6 @@
         </p14:section>
         <p14:section name="Untitled Section" id="{64F73942-029A-0844-B6A4-C075A9128B99}">
           <p14:sldIdLst>
-            <p14:sldId id="259"/>
             <p14:sldId id="258"/>
           </p14:sldIdLst>
         </p14:section>
@@ -3426,7 +3436,10 @@
           <a:bodyPr/>
           <a:lstStyle/>
           <a:p>
-            <a:endParaRPr lang="en-US" dirty="0"/>
+            <a:r>
+              <a:rPr lang="en-US" dirty="0"/>
+              <a:t>Voldemort is a distributed Key value storage system.</a:t>
+            </a:r>
           </a:p>
         </p:txBody>
       </p:sp>
@@ -3465,7 +3478,7 @@
           <p:cNvPr id="2" name="Title 1">
             <a:extLst>
               <a:ext uri="{FF2B5EF4-FFF2-40B4-BE49-F238E27FC236}">
-                <a16:creationId xmlns:a16="http://schemas.microsoft.com/office/drawing/2014/main" id="{23E8680D-52E7-0C46-9E9D-9231F89D5B7B}"/>
+                <a16:creationId xmlns:a16="http://schemas.microsoft.com/office/drawing/2014/main" id="{8A575D5B-847F-A64D-BE5A-8ABFD1DEA26F}"/>
               </a:ext>
             </a:extLst>
           </p:cNvPr>
@@ -3483,7 +3496,7 @@
           <a:p>
             <a:r>
               <a:rPr lang="en-US" dirty="0"/>
-              <a:t>extra</a:t>
+              <a:t>Server Configuration</a:t>
             </a:r>
           </a:p>
         </p:txBody>
@@ -3493,7 +3506,7 @@
           <p:cNvPr id="3" name="Content Placeholder 2">
             <a:extLst>
               <a:ext uri="{FF2B5EF4-FFF2-40B4-BE49-F238E27FC236}">
-                <a16:creationId xmlns:a16="http://schemas.microsoft.com/office/drawing/2014/main" id="{C69CCAC8-46CC-4346-AEF5-2806B0CADB6A}"/>
+                <a16:creationId xmlns:a16="http://schemas.microsoft.com/office/drawing/2014/main" id="{53E21E52-26E3-8949-BCA5-0CD7332ABD58}"/>
               </a:ext>
             </a:extLst>
           </p:cNvPr>
@@ -3510,61 +3523,37 @@
           <a:lstStyle/>
           <a:p>
             <a:r>
-              <a:rPr lang="en-IN" dirty="0"/>
-              <a:t>For programmers interested in getting to know the source code, here are a few pointers to get started. One good starting place is the </a:t>
-            </a:r>
-            <a:r>
-              <a:rPr lang="en-IN" dirty="0">
-                <a:hlinkClick r:id="rId2"/>
-              </a:rPr>
-              <a:t>Amazon Dynamo</a:t>
-            </a:r>
-            <a:r>
-              <a:rPr lang="en-IN" dirty="0"/>
-              <a:t> paper, it is a bit dense in places but will give an idea of why certain things are done a given way.</a:t>
-            </a:r>
-          </a:p>
-          <a:p>
-            <a:r>
-              <a:rPr lang="en-IN" dirty="0"/>
-              <a:t>Most packages have a </a:t>
-            </a:r>
-            <a:r>
-              <a:rPr lang="en-IN" dirty="0">
-                <a:hlinkClick r:id="rId3"/>
-              </a:rPr>
-              <a:t>javadoc.html</a:t>
-            </a:r>
-            <a:r>
-              <a:rPr lang="en-IN" dirty="0"/>
-              <a:t> file that describes what the code in that package does, this can help to get a broad overview of the areas of the code.</a:t>
-            </a:r>
-          </a:p>
-          <a:p>
-            <a:r>
-              <a:rPr lang="en-IN" dirty="0"/>
-              <a:t>Internally much of Voldemort implements a single very simple interface that provides basically put/get/delete given in </a:t>
-            </a:r>
-            <a:r>
-              <a:rPr lang="en-IN" dirty="0">
-                <a:hlinkClick r:id="rId4"/>
-              </a:rPr>
-              <a:t>Store.java</a:t>
-            </a:r>
-            <a:r>
-              <a:rPr lang="en-IN" dirty="0"/>
-              <a:t>.</a:t>
-            </a:r>
-          </a:p>
-          <a:p>
-            <a:endParaRPr lang="en-US" dirty="0"/>
+              <a:rPr lang="en-US" dirty="0"/>
+              <a:t>There are three methods for using the server</a:t>
+            </a:r>
+          </a:p>
+          <a:p>
+            <a:pPr lvl="1"/>
+            <a:r>
+              <a:rPr lang="en-US" dirty="0"/>
+              <a:t>1.Start from command line</a:t>
+            </a:r>
+          </a:p>
+          <a:p>
+            <a:pPr lvl="1"/>
+            <a:r>
+              <a:rPr lang="en-US" dirty="0"/>
+              <a:t>2.Embedded Server</a:t>
+            </a:r>
+          </a:p>
+          <a:p>
+            <a:pPr lvl="1"/>
+            <a:r>
+              <a:rPr lang="en-US" dirty="0"/>
+              <a:t>3.Deploy as a war</a:t>
+            </a:r>
           </a:p>
         </p:txBody>
       </p:sp>
     </p:spTree>
     <p:extLst>
       <p:ext uri="{BB962C8B-B14F-4D97-AF65-F5344CB8AC3E}">
-        <p14:creationId xmlns:p14="http://schemas.microsoft.com/office/powerpoint/2010/main" val="3580289560"/>
+        <p14:creationId xmlns:p14="http://schemas.microsoft.com/office/powerpoint/2010/main" val="3590919598"/>
       </p:ext>
     </p:extLst>
   </p:cSld>
@@ -3596,6 +3585,608 @@
           <p:cNvPr id="2" name="Title 1">
             <a:extLst>
               <a:ext uri="{FF2B5EF4-FFF2-40B4-BE49-F238E27FC236}">
+                <a16:creationId xmlns:a16="http://schemas.microsoft.com/office/drawing/2014/main" id="{7A323425-10AD-3040-B67B-28EEBBAE380D}"/>
+              </a:ext>
+            </a:extLst>
+          </p:cNvPr>
+          <p:cNvSpPr>
+            <a:spLocks noGrp="1"/>
+          </p:cNvSpPr>
+          <p:nvPr>
+            <p:ph type="title"/>
+          </p:nvPr>
+        </p:nvSpPr>
+        <p:spPr/>
+        <p:txBody>
+          <a:bodyPr/>
+          <a:lstStyle/>
+          <a:p>
+            <a:r>
+              <a:rPr lang="en-US" dirty="0"/>
+              <a:t>Routing Module</a:t>
+            </a:r>
+          </a:p>
+        </p:txBody>
+      </p:sp>
+      <p:sp>
+        <p:nvSpPr>
+          <p:cNvPr id="3" name="Content Placeholder 2">
+            <a:extLst>
+              <a:ext uri="{FF2B5EF4-FFF2-40B4-BE49-F238E27FC236}">
+                <a16:creationId xmlns:a16="http://schemas.microsoft.com/office/drawing/2014/main" id="{B5ADA91C-918F-C241-8136-13210F49EF3A}"/>
+              </a:ext>
+            </a:extLst>
+          </p:cNvPr>
+          <p:cNvSpPr>
+            <a:spLocks noGrp="1"/>
+          </p:cNvSpPr>
+          <p:nvPr>
+            <p:ph idx="1"/>
+          </p:nvPr>
+        </p:nvSpPr>
+        <p:spPr/>
+        <p:txBody>
+          <a:bodyPr>
+            <a:normAutofit fontScale="92500" lnSpcReduction="10000"/>
+          </a:bodyPr>
+          <a:lstStyle/>
+          <a:p>
+            <a:r>
+              <a:rPr lang="en-US" dirty="0"/>
+              <a:t>Deals with partioning and replication</a:t>
+            </a:r>
+          </a:p>
+          <a:p>
+            <a:r>
+              <a:rPr lang="en-US" dirty="0"/>
+              <a:t>Splits the hash ring into equal size partitions</a:t>
+            </a:r>
+          </a:p>
+          <a:p>
+            <a:r>
+              <a:rPr lang="en-US" dirty="0"/>
+              <a:t>Maps partitions to nodes</a:t>
+            </a:r>
+          </a:p>
+          <a:p>
+            <a:r>
+              <a:rPr lang="en-US" dirty="0"/>
+              <a:t>Each key is map to a preference list(of partition)</a:t>
+            </a:r>
+          </a:p>
+          <a:p>
+            <a:pPr lvl="1"/>
+            <a:r>
+              <a:rPr lang="en-US" dirty="0"/>
+              <a:t>Map to a primary partition(based on its hash)</a:t>
+            </a:r>
+          </a:p>
+          <a:p>
+            <a:pPr lvl="1"/>
+            <a:r>
+              <a:rPr lang="en-US" dirty="0"/>
+              <a:t>N- 1 subsequent partition(clockwise)</a:t>
+            </a:r>
+          </a:p>
+          <a:p>
+            <a:r>
+              <a:rPr lang="en-US" dirty="0"/>
+              <a:t>Pluggable Storage Layer</a:t>
+            </a:r>
+          </a:p>
+          <a:p>
+            <a:pPr lvl="1"/>
+            <a:r>
+              <a:rPr lang="en-US" dirty="0"/>
+              <a:t>Traditional get and put functions</a:t>
+            </a:r>
+          </a:p>
+          <a:p>
+            <a:pPr lvl="1"/>
+            <a:r>
+              <a:rPr lang="en-US" dirty="0"/>
+              <a:t>Block-read functions(Streaming)</a:t>
+            </a:r>
+          </a:p>
+          <a:p>
+            <a:pPr lvl="1"/>
+            <a:r>
+              <a:rPr lang="en-US" dirty="0"/>
+              <a:t>Read Only Operations</a:t>
+            </a:r>
+          </a:p>
+          <a:p>
+            <a:pPr lvl="1"/>
+            <a:r>
+              <a:rPr lang="en-US" dirty="0"/>
+              <a:t>Administrative functions</a:t>
+            </a:r>
+          </a:p>
+          <a:p>
+            <a:pPr lvl="1"/>
+            <a:endParaRPr lang="en-US" dirty="0"/>
+          </a:p>
+        </p:txBody>
+      </p:sp>
+    </p:spTree>
+    <p:extLst>
+      <p:ext uri="{BB962C8B-B14F-4D97-AF65-F5344CB8AC3E}">
+        <p14:creationId xmlns:p14="http://schemas.microsoft.com/office/powerpoint/2010/main" val="1533580204"/>
+      </p:ext>
+    </p:extLst>
+  </p:cSld>
+  <p:clrMapOvr>
+    <a:masterClrMapping/>
+  </p:clrMapOvr>
+</p:sld>
+</file>
+
+<file path=ppt/slides/slide12.xml><?xml version="1.0" encoding="utf-8"?>
+<p:sld xmlns:a="http://schemas.openxmlformats.org/drawingml/2006/main" xmlns:r="http://schemas.openxmlformats.org/officeDocument/2006/relationships" xmlns:p="http://schemas.openxmlformats.org/presentationml/2006/main">
+  <p:cSld>
+    <p:spTree>
+      <p:nvGrpSpPr>
+        <p:cNvPr id="1" name=""/>
+        <p:cNvGrpSpPr/>
+        <p:nvPr/>
+      </p:nvGrpSpPr>
+      <p:grpSpPr>
+        <a:xfrm>
+          <a:off x="0" y="0"/>
+          <a:ext cx="0" cy="0"/>
+          <a:chOff x="0" y="0"/>
+          <a:chExt cx="0" cy="0"/>
+        </a:xfrm>
+      </p:grpSpPr>
+      <p:sp>
+        <p:nvSpPr>
+          <p:cNvPr id="2" name="Title 1">
+            <a:extLst>
+              <a:ext uri="{FF2B5EF4-FFF2-40B4-BE49-F238E27FC236}">
+                <a16:creationId xmlns:a16="http://schemas.microsoft.com/office/drawing/2014/main" id="{E1E96FAF-2D1C-5E4B-9A05-0EB4A1428A6C}"/>
+              </a:ext>
+            </a:extLst>
+          </p:cNvPr>
+          <p:cNvSpPr>
+            <a:spLocks noGrp="1"/>
+          </p:cNvSpPr>
+          <p:nvPr>
+            <p:ph type="title"/>
+          </p:nvPr>
+        </p:nvSpPr>
+        <p:spPr/>
+        <p:txBody>
+          <a:bodyPr/>
+          <a:lstStyle/>
+          <a:p>
+            <a:r>
+              <a:rPr lang="en-US" dirty="0"/>
+              <a:t>Rebalancing</a:t>
+            </a:r>
+          </a:p>
+        </p:txBody>
+      </p:sp>
+      <p:pic>
+        <p:nvPicPr>
+          <p:cNvPr id="14" name="Content Placeholder 13">
+            <a:extLst>
+              <a:ext uri="{FF2B5EF4-FFF2-40B4-BE49-F238E27FC236}">
+                <a16:creationId xmlns:a16="http://schemas.microsoft.com/office/drawing/2014/main" id="{7DCF3465-379E-1446-88E9-F84722D7D212}"/>
+              </a:ext>
+            </a:extLst>
+          </p:cNvPr>
+          <p:cNvPicPr>
+            <a:picLocks noGrp="1" noChangeAspect="1"/>
+          </p:cNvPicPr>
+          <p:nvPr>
+            <p:ph idx="1"/>
+          </p:nvPr>
+        </p:nvPicPr>
+        <p:blipFill>
+          <a:blip r:embed="rId2"/>
+          <a:stretch>
+            <a:fillRect/>
+          </a:stretch>
+        </p:blipFill>
+        <p:spPr>
+          <a:xfrm>
+            <a:off x="693295" y="1690688"/>
+            <a:ext cx="7828293" cy="4351338"/>
+          </a:xfrm>
+        </p:spPr>
+      </p:pic>
+    </p:spTree>
+    <p:extLst>
+      <p:ext uri="{BB962C8B-B14F-4D97-AF65-F5344CB8AC3E}">
+        <p14:creationId xmlns:p14="http://schemas.microsoft.com/office/powerpoint/2010/main" val="445014525"/>
+      </p:ext>
+    </p:extLst>
+  </p:cSld>
+  <p:clrMapOvr>
+    <a:masterClrMapping/>
+  </p:clrMapOvr>
+</p:sld>
+</file>
+
+<file path=ppt/slides/slide13.xml><?xml version="1.0" encoding="utf-8"?>
+<p:sld xmlns:a="http://schemas.openxmlformats.org/drawingml/2006/main" xmlns:r="http://schemas.openxmlformats.org/officeDocument/2006/relationships" xmlns:p="http://schemas.openxmlformats.org/presentationml/2006/main">
+  <p:cSld>
+    <p:spTree>
+      <p:nvGrpSpPr>
+        <p:cNvPr id="1" name=""/>
+        <p:cNvGrpSpPr/>
+        <p:nvPr/>
+      </p:nvGrpSpPr>
+      <p:grpSpPr>
+        <a:xfrm>
+          <a:off x="0" y="0"/>
+          <a:ext cx="0" cy="0"/>
+          <a:chOff x="0" y="0"/>
+          <a:chExt cx="0" cy="0"/>
+        </a:xfrm>
+      </p:grpSpPr>
+      <p:sp>
+        <p:nvSpPr>
+          <p:cNvPr id="2" name="Title 1">
+            <a:extLst>
+              <a:ext uri="{FF2B5EF4-FFF2-40B4-BE49-F238E27FC236}">
+                <a16:creationId xmlns:a16="http://schemas.microsoft.com/office/drawing/2014/main" id="{5EFBBDC8-BF13-3442-BC09-0A310AA8B02F}"/>
+              </a:ext>
+            </a:extLst>
+          </p:cNvPr>
+          <p:cNvSpPr>
+            <a:spLocks noGrp="1"/>
+          </p:cNvSpPr>
+          <p:nvPr>
+            <p:ph type="title"/>
+          </p:nvPr>
+        </p:nvSpPr>
+        <p:spPr/>
+        <p:txBody>
+          <a:bodyPr/>
+          <a:lstStyle/>
+          <a:p>
+            <a:endParaRPr lang="en-US"/>
+          </a:p>
+        </p:txBody>
+      </p:sp>
+      <p:pic>
+        <p:nvPicPr>
+          <p:cNvPr id="4" name="Picture 2" descr="C:\Users\User\Desktop\UID_auth\otp1.JPG">
+            <a:extLst>
+              <a:ext uri="{FF2B5EF4-FFF2-40B4-BE49-F238E27FC236}">
+                <a16:creationId xmlns:a16="http://schemas.microsoft.com/office/drawing/2014/main" id="{899900FD-84CE-7A41-9580-06976E3F753A}"/>
+              </a:ext>
+            </a:extLst>
+          </p:cNvPr>
+          <p:cNvPicPr>
+            <a:picLocks noGrp="1" noChangeAspect="1" noChangeArrowheads="1"/>
+          </p:cNvPicPr>
+          <p:nvPr>
+            <p:ph idx="1"/>
+          </p:nvPr>
+        </p:nvPicPr>
+        <p:blipFill>
+          <a:blip r:embed="rId2">
+            <a:extLst>
+              <a:ext uri="{28A0092B-C50C-407E-A947-70E740481C1C}">
+                <a14:useLocalDpi xmlns:a14="http://schemas.microsoft.com/office/drawing/2010/main" val="0"/>
+              </a:ext>
+            </a:extLst>
+          </a:blip>
+          <a:srcRect/>
+          <a:stretch>
+            <a:fillRect/>
+          </a:stretch>
+        </p:blipFill>
+        <p:spPr bwMode="auto">
+          <a:xfrm>
+            <a:off x="838200" y="393002"/>
+            <a:ext cx="6666571" cy="5841501"/>
+          </a:xfrm>
+          <a:prstGeom prst="rect">
+            <a:avLst/>
+          </a:prstGeom>
+          <a:noFill/>
+          <a:extLst>
+            <a:ext uri="{909E8E84-426E-40DD-AFC4-6F175D3DCCD1}">
+              <a14:hiddenFill xmlns:a14="http://schemas.microsoft.com/office/drawing/2010/main">
+                <a:solidFill>
+                  <a:srgbClr val="FFFFFF"/>
+                </a:solidFill>
+              </a14:hiddenFill>
+            </a:ext>
+          </a:extLst>
+        </p:spPr>
+      </p:pic>
+    </p:spTree>
+    <p:extLst>
+      <p:ext uri="{BB962C8B-B14F-4D97-AF65-F5344CB8AC3E}">
+        <p14:creationId xmlns:p14="http://schemas.microsoft.com/office/powerpoint/2010/main" val="2427394683"/>
+      </p:ext>
+    </p:extLst>
+  </p:cSld>
+  <p:clrMapOvr>
+    <a:masterClrMapping/>
+  </p:clrMapOvr>
+</p:sld>
+</file>
+
+<file path=ppt/slides/slide14.xml><?xml version="1.0" encoding="utf-8"?>
+<p:sld xmlns:a="http://schemas.openxmlformats.org/drawingml/2006/main" xmlns:r="http://schemas.openxmlformats.org/officeDocument/2006/relationships" xmlns:p="http://schemas.openxmlformats.org/presentationml/2006/main">
+  <p:cSld>
+    <p:spTree>
+      <p:nvGrpSpPr>
+        <p:cNvPr id="1" name=""/>
+        <p:cNvGrpSpPr/>
+        <p:nvPr/>
+      </p:nvGrpSpPr>
+      <p:grpSpPr>
+        <a:xfrm>
+          <a:off x="0" y="0"/>
+          <a:ext cx="0" cy="0"/>
+          <a:chOff x="0" y="0"/>
+          <a:chExt cx="0" cy="0"/>
+        </a:xfrm>
+      </p:grpSpPr>
+      <p:sp>
+        <p:nvSpPr>
+          <p:cNvPr id="2" name="Title 1">
+            <a:extLst>
+              <a:ext uri="{FF2B5EF4-FFF2-40B4-BE49-F238E27FC236}">
+                <a16:creationId xmlns:a16="http://schemas.microsoft.com/office/drawing/2014/main" id="{EAB89E5F-3719-F745-91C1-F21672CEA345}"/>
+              </a:ext>
+            </a:extLst>
+          </p:cNvPr>
+          <p:cNvSpPr>
+            <a:spLocks noGrp="1"/>
+          </p:cNvSpPr>
+          <p:nvPr>
+            <p:ph type="title"/>
+          </p:nvPr>
+        </p:nvSpPr>
+        <p:spPr/>
+        <p:txBody>
+          <a:bodyPr/>
+          <a:lstStyle/>
+          <a:p>
+            <a:r>
+              <a:rPr lang="en-US" dirty="0"/>
+              <a:t>Storage format</a:t>
+            </a:r>
+          </a:p>
+        </p:txBody>
+      </p:sp>
+      <p:sp>
+        <p:nvSpPr>
+          <p:cNvPr id="3" name="Content Placeholder 2">
+            <a:extLst>
+              <a:ext uri="{FF2B5EF4-FFF2-40B4-BE49-F238E27FC236}">
+                <a16:creationId xmlns:a16="http://schemas.microsoft.com/office/drawing/2014/main" id="{68411AEA-1CB2-694A-9B84-938BB4B0EB45}"/>
+              </a:ext>
+            </a:extLst>
+          </p:cNvPr>
+          <p:cNvSpPr>
+            <a:spLocks noGrp="1"/>
+          </p:cNvSpPr>
+          <p:nvPr>
+            <p:ph idx="1"/>
+          </p:nvPr>
+        </p:nvSpPr>
+        <p:spPr/>
+        <p:txBody>
+          <a:bodyPr/>
+          <a:lstStyle/>
+          <a:p>
+            <a:r>
+              <a:rPr lang="en-US" dirty="0"/>
+              <a:t>Voldemort is java based (on a </a:t>
+            </a:r>
+            <a:r>
+              <a:rPr lang="en-US" dirty="0" err="1"/>
+              <a:t>jvm</a:t>
+            </a:r>
+            <a:r>
+              <a:rPr lang="en-US" dirty="0"/>
+              <a:t>) and uses OS to manage its memory</a:t>
+            </a:r>
+          </a:p>
+          <a:p>
+            <a:r>
+              <a:rPr lang="en-US" dirty="0"/>
+              <a:t>In Auth </a:t>
+            </a:r>
+          </a:p>
+          <a:p>
+            <a:pPr lvl="1"/>
+            <a:r>
+              <a:rPr lang="en-US" dirty="0" err="1"/>
+              <a:t>Otp</a:t>
+            </a:r>
+            <a:r>
+              <a:rPr lang="en-US" dirty="0"/>
+              <a:t> </a:t>
+            </a:r>
+            <a:r>
+              <a:rPr lang="en-US" dirty="0" err="1"/>
+              <a:t>store,Verify</a:t>
+            </a:r>
+            <a:r>
+              <a:rPr lang="en-US" dirty="0"/>
+              <a:t> </a:t>
+            </a:r>
+            <a:r>
+              <a:rPr lang="en-US" dirty="0" err="1"/>
+              <a:t>Store,Cache</a:t>
+            </a:r>
+            <a:r>
+              <a:rPr lang="en-US" dirty="0"/>
+              <a:t> Store</a:t>
+            </a:r>
+          </a:p>
+          <a:p>
+            <a:r>
+              <a:rPr lang="en-US" dirty="0"/>
+              <a:t>Keys used in Voldemort</a:t>
+            </a:r>
+          </a:p>
+          <a:p>
+            <a:pPr lvl="1"/>
+            <a:r>
+              <a:rPr lang="en-US" dirty="0"/>
+              <a:t>OTP -&gt;the timestamp</a:t>
+            </a:r>
+          </a:p>
+          <a:p>
+            <a:pPr lvl="1"/>
+            <a:r>
+              <a:rPr lang="en-US" dirty="0"/>
+              <a:t>Generic OTP -&gt; mobile no</a:t>
+            </a:r>
+          </a:p>
+        </p:txBody>
+      </p:sp>
+    </p:spTree>
+    <p:extLst>
+      <p:ext uri="{BB962C8B-B14F-4D97-AF65-F5344CB8AC3E}">
+        <p14:creationId xmlns:p14="http://schemas.microsoft.com/office/powerpoint/2010/main" val="1194175641"/>
+      </p:ext>
+    </p:extLst>
+  </p:cSld>
+  <p:clrMapOvr>
+    <a:masterClrMapping/>
+  </p:clrMapOvr>
+</p:sld>
+</file>
+
+<file path=ppt/slides/slide15.xml><?xml version="1.0" encoding="utf-8"?>
+<p:sld xmlns:a="http://schemas.openxmlformats.org/drawingml/2006/main" xmlns:r="http://schemas.openxmlformats.org/officeDocument/2006/relationships" xmlns:p="http://schemas.openxmlformats.org/presentationml/2006/main">
+  <p:cSld>
+    <p:spTree>
+      <p:nvGrpSpPr>
+        <p:cNvPr id="1" name=""/>
+        <p:cNvGrpSpPr/>
+        <p:nvPr/>
+      </p:nvGrpSpPr>
+      <p:grpSpPr>
+        <a:xfrm>
+          <a:off x="0" y="0"/>
+          <a:ext cx="0" cy="0"/>
+          <a:chOff x="0" y="0"/>
+          <a:chExt cx="0" cy="0"/>
+        </a:xfrm>
+      </p:grpSpPr>
+      <p:sp>
+        <p:nvSpPr>
+          <p:cNvPr id="2" name="Title 1">
+            <a:extLst>
+              <a:ext uri="{FF2B5EF4-FFF2-40B4-BE49-F238E27FC236}">
+                <a16:creationId xmlns:a16="http://schemas.microsoft.com/office/drawing/2014/main" id="{39EA4F0C-B729-B940-9952-32C5222518A1}"/>
+              </a:ext>
+            </a:extLst>
+          </p:cNvPr>
+          <p:cNvSpPr>
+            <a:spLocks noGrp="1"/>
+          </p:cNvSpPr>
+          <p:nvPr>
+            <p:ph type="title"/>
+          </p:nvPr>
+        </p:nvSpPr>
+        <p:spPr/>
+        <p:txBody>
+          <a:bodyPr/>
+          <a:lstStyle/>
+          <a:p>
+            <a:r>
+              <a:rPr lang="en-US" dirty="0"/>
+              <a:t>Routing Modes</a:t>
+            </a:r>
+          </a:p>
+        </p:txBody>
+      </p:sp>
+      <p:sp>
+        <p:nvSpPr>
+          <p:cNvPr id="3" name="Content Placeholder 2">
+            <a:extLst>
+              <a:ext uri="{FF2B5EF4-FFF2-40B4-BE49-F238E27FC236}">
+                <a16:creationId xmlns:a16="http://schemas.microsoft.com/office/drawing/2014/main" id="{4B2BC2DC-BD12-D34C-B6C7-2C8ECDE1AABE}"/>
+              </a:ext>
+            </a:extLst>
+          </p:cNvPr>
+          <p:cNvSpPr>
+            <a:spLocks noGrp="1"/>
+          </p:cNvSpPr>
+          <p:nvPr>
+            <p:ph idx="1"/>
+          </p:nvPr>
+        </p:nvSpPr>
+        <p:spPr/>
+        <p:txBody>
+          <a:bodyPr/>
+          <a:lstStyle/>
+          <a:p>
+            <a:r>
+              <a:rPr lang="en-US" dirty="0"/>
+              <a:t>Client Side routing Retrieves </a:t>
+            </a:r>
+          </a:p>
+          <a:p>
+            <a:pPr lvl="1"/>
+            <a:r>
+              <a:rPr lang="en-US" dirty="0"/>
+              <a:t>meta-data and cluster topology makes the routing decision locally.</a:t>
+            </a:r>
+          </a:p>
+          <a:p>
+            <a:r>
+              <a:rPr lang="en-US" dirty="0"/>
+              <a:t>Server Side routing </a:t>
+            </a:r>
+          </a:p>
+          <a:p>
+            <a:pPr lvl="1"/>
+            <a:r>
+              <a:rPr lang="en-US" dirty="0"/>
+              <a:t>Server takes all the routing decision</a:t>
+            </a:r>
+          </a:p>
+        </p:txBody>
+      </p:sp>
+    </p:spTree>
+    <p:extLst>
+      <p:ext uri="{BB962C8B-B14F-4D97-AF65-F5344CB8AC3E}">
+        <p14:creationId xmlns:p14="http://schemas.microsoft.com/office/powerpoint/2010/main" val="356831900"/>
+      </p:ext>
+    </p:extLst>
+  </p:cSld>
+  <p:clrMapOvr>
+    <a:masterClrMapping/>
+  </p:clrMapOvr>
+</p:sld>
+</file>
+
+<file path=ppt/slides/slide16.xml><?xml version="1.0" encoding="utf-8"?>
+<p:sld xmlns:a="http://schemas.openxmlformats.org/drawingml/2006/main" xmlns:r="http://schemas.openxmlformats.org/officeDocument/2006/relationships" xmlns:p="http://schemas.openxmlformats.org/presentationml/2006/main">
+  <p:cSld>
+    <p:spTree>
+      <p:nvGrpSpPr>
+        <p:cNvPr id="1" name=""/>
+        <p:cNvGrpSpPr/>
+        <p:nvPr/>
+      </p:nvGrpSpPr>
+      <p:grpSpPr>
+        <a:xfrm>
+          <a:off x="0" y="0"/>
+          <a:ext cx="0" cy="0"/>
+          <a:chOff x="0" y="0"/>
+          <a:chExt cx="0" cy="0"/>
+        </a:xfrm>
+      </p:grpSpPr>
+      <p:sp>
+        <p:nvSpPr>
+          <p:cNvPr id="2" name="Title 1">
+            <a:extLst>
+              <a:ext uri="{FF2B5EF4-FFF2-40B4-BE49-F238E27FC236}">
                 <a16:creationId xmlns:a16="http://schemas.microsoft.com/office/drawing/2014/main" id="{2D382119-DB54-8943-9A26-6904E62C54C8}"/>
               </a:ext>
             </a:extLst>
@@ -3612,7 +4203,11 @@
           <a:bodyPr/>
           <a:lstStyle/>
           <a:p>
-            <a:endParaRPr lang="en-US"/>
+            <a:r>
+              <a:rPr lang="en-US" dirty="0" err="1"/>
+              <a:t>etc</a:t>
+            </a:r>
+            <a:endParaRPr lang="en-US" dirty="0"/>
           </a:p>
         </p:txBody>
       </p:sp>
@@ -4216,7 +4811,7 @@
           <p:cNvPr id="2" name="Title 1">
             <a:extLst>
               <a:ext uri="{FF2B5EF4-FFF2-40B4-BE49-F238E27FC236}">
-                <a16:creationId xmlns:a16="http://schemas.microsoft.com/office/drawing/2014/main" id="{7A323425-10AD-3040-B67B-28EEBBAE380D}"/>
+                <a16:creationId xmlns:a16="http://schemas.microsoft.com/office/drawing/2014/main" id="{8215C40D-02D6-2941-ABB8-73FB06D5E204}"/>
               </a:ext>
             </a:extLst>
           </p:cNvPr>
@@ -4234,7 +4829,7 @@
           <a:p>
             <a:r>
               <a:rPr lang="en-US" dirty="0"/>
-              <a:t>Routing Module</a:t>
+              <a:t>Configurations</a:t>
             </a:r>
           </a:p>
         </p:txBody>
@@ -4244,7 +4839,7 @@
           <p:cNvPr id="3" name="Content Placeholder 2">
             <a:extLst>
               <a:ext uri="{FF2B5EF4-FFF2-40B4-BE49-F238E27FC236}">
-                <a16:creationId xmlns:a16="http://schemas.microsoft.com/office/drawing/2014/main" id="{B5ADA91C-918F-C241-8136-13210F49EF3A}"/>
+                <a16:creationId xmlns:a16="http://schemas.microsoft.com/office/drawing/2014/main" id="{493BDE5E-6C07-A142-A6DC-D4FEEF26AAA4}"/>
               </a:ext>
             </a:extLst>
           </p:cNvPr>
@@ -4258,83 +4853,78 @@
         <p:spPr/>
         <p:txBody>
           <a:bodyPr>
-            <a:normAutofit fontScale="92500" lnSpcReduction="10000"/>
+            <a:normAutofit fontScale="85000" lnSpcReduction="20000"/>
           </a:bodyPr>
           <a:lstStyle/>
           <a:p>
             <a:r>
-              <a:rPr lang="en-US" dirty="0"/>
-              <a:t>Deals with partioning and replication</a:t>
-            </a:r>
-          </a:p>
-          <a:p>
-            <a:r>
-              <a:rPr lang="en-US" dirty="0"/>
-              <a:t>Splits the hash ring into equal size partitions</a:t>
-            </a:r>
-          </a:p>
-          <a:p>
-            <a:r>
-              <a:rPr lang="en-US" dirty="0"/>
-              <a:t>Maps partitions to nodes</a:t>
-            </a:r>
-          </a:p>
-          <a:p>
-            <a:r>
-              <a:rPr lang="en-US" dirty="0"/>
-              <a:t>Each key is map to a preference list(of partition)</a:t>
-            </a:r>
-          </a:p>
-          <a:p>
-            <a:pPr lvl="1"/>
-            <a:r>
-              <a:rPr lang="en-US" dirty="0"/>
-              <a:t>Map to a primary partition(based on its hash)</a:t>
-            </a:r>
-          </a:p>
-          <a:p>
-            <a:pPr lvl="1"/>
-            <a:r>
-              <a:rPr lang="en-US" dirty="0"/>
-              <a:t>N- 1 subsequent partition(clockwise)</a:t>
-            </a:r>
-          </a:p>
-          <a:p>
-            <a:r>
-              <a:rPr lang="en-US" dirty="0"/>
-              <a:t>Pluggable Storage Layer</a:t>
-            </a:r>
-          </a:p>
-          <a:p>
-            <a:pPr lvl="1"/>
-            <a:r>
-              <a:rPr lang="en-US" dirty="0"/>
-              <a:t>Traditional get and put functions</a:t>
-            </a:r>
-          </a:p>
-          <a:p>
-            <a:pPr lvl="1"/>
-            <a:r>
-              <a:rPr lang="en-US" dirty="0"/>
-              <a:t>Block-read functions(Streaming)</a:t>
-            </a:r>
-          </a:p>
-          <a:p>
-            <a:pPr lvl="1"/>
-            <a:r>
-              <a:rPr lang="en-US" dirty="0"/>
-              <a:t>Read Only Operations</a:t>
-            </a:r>
-          </a:p>
-          <a:p>
-            <a:pPr lvl="1"/>
-            <a:r>
-              <a:rPr lang="en-US" dirty="0"/>
-              <a:t>Administrative functions</a:t>
-            </a:r>
-          </a:p>
-          <a:p>
-            <a:pPr lvl="1"/>
+              <a:rPr lang="en-IN" dirty="0"/>
+              <a:t>There are three configuration files that control server operation:</a:t>
+            </a:r>
+          </a:p>
+          <a:p>
+            <a:r>
+              <a:rPr lang="en-IN" i="1" dirty="0" err="1"/>
+              <a:t>cluster.xml</a:t>
+            </a:r>
+            <a:r>
+              <a:rPr lang="en-IN" dirty="0"/>
+              <a:t> – This holds the information about all the nodes (i.e. servers) in the cluster, what hostname they are at, the ports they use, etc. It is exactly the same for all </a:t>
+            </a:r>
+            <a:r>
+              <a:rPr lang="en-IN" dirty="0" err="1"/>
+              <a:t>voldemort</a:t>
+            </a:r>
+            <a:r>
+              <a:rPr lang="en-IN" dirty="0"/>
+              <a:t> nodes. It does not hold tuning parameters or data directories for those nodes, since that is not information public to the cluster but is specific to that particular nodes configuration.</a:t>
+            </a:r>
+          </a:p>
+          <a:p>
+            <a:r>
+              <a:rPr lang="en-IN" i="1" dirty="0" err="1"/>
+              <a:t>stores.xml</a:t>
+            </a:r>
+            <a:r>
+              <a:rPr lang="en-IN" dirty="0"/>
+              <a:t> – This holds the information about all the stores (i.e. tables) in the cluster. This includes information about the required number of successful reads to maintain consistency, the required number of writes, as well as how keys and values are serialized into bytes. It is the same on all nodes in the cluster.</a:t>
+            </a:r>
+          </a:p>
+          <a:p>
+            <a:r>
+              <a:rPr lang="en-IN" i="1" dirty="0" err="1"/>
+              <a:t>server.properties</a:t>
+            </a:r>
+            <a:r>
+              <a:rPr lang="en-IN" dirty="0"/>
+              <a:t> – This contains the tuning parameters that control a particular node. This includes the id of the local node so it knows which entry in </a:t>
+            </a:r>
+            <a:r>
+              <a:rPr lang="en-IN" dirty="0" err="1"/>
+              <a:t>cluster.xml</a:t>
+            </a:r>
+            <a:r>
+              <a:rPr lang="en-IN" dirty="0"/>
+              <a:t> corresponds to itself, also the </a:t>
+            </a:r>
+            <a:r>
+              <a:rPr lang="en-IN" dirty="0" err="1"/>
+              <a:t>threadpool</a:t>
+            </a:r>
+            <a:r>
+              <a:rPr lang="en-IN" dirty="0"/>
+              <a:t> size, as well as any configuration needed for the local persistence engine such as BDB or </a:t>
+            </a:r>
+            <a:r>
+              <a:rPr lang="en-IN" dirty="0" err="1"/>
+              <a:t>mysql</a:t>
+            </a:r>
+            <a:r>
+              <a:rPr lang="en-IN" dirty="0"/>
+              <a:t>. This file is different on each node.</a:t>
+            </a:r>
+          </a:p>
+          <a:p>
             <a:endParaRPr lang="en-US" dirty="0"/>
           </a:p>
         </p:txBody>
@@ -4342,7 +4932,7 @@
     </p:spTree>
     <p:extLst>
       <p:ext uri="{BB962C8B-B14F-4D97-AF65-F5344CB8AC3E}">
-        <p14:creationId xmlns:p14="http://schemas.microsoft.com/office/powerpoint/2010/main" val="1533580204"/>
+        <p14:creationId xmlns:p14="http://schemas.microsoft.com/office/powerpoint/2010/main" val="1453804335"/>
       </p:ext>
     </p:extLst>
   </p:cSld>
@@ -4374,7 +4964,7 @@
           <p:cNvPr id="2" name="Title 1">
             <a:extLst>
               <a:ext uri="{FF2B5EF4-FFF2-40B4-BE49-F238E27FC236}">
-                <a16:creationId xmlns:a16="http://schemas.microsoft.com/office/drawing/2014/main" id="{5EFBBDC8-BF13-3442-BC09-0A310AA8B02F}"/>
+                <a16:creationId xmlns:a16="http://schemas.microsoft.com/office/drawing/2014/main" id="{021421D0-3F4C-0641-97CE-98DC1A55A3C3}"/>
               </a:ext>
             </a:extLst>
           </p:cNvPr>
@@ -4390,63 +4980,46 @@
           <a:bodyPr/>
           <a:lstStyle/>
           <a:p>
-            <a:endParaRPr lang="en-US"/>
+            <a:r>
+              <a:rPr lang="en-US" dirty="0"/>
+              <a:t>Cluster Configuration</a:t>
+            </a:r>
           </a:p>
         </p:txBody>
       </p:sp>
       <p:pic>
         <p:nvPicPr>
-          <p:cNvPr id="4" name="Picture 2" descr="C:\Users\User\Desktop\UID_auth\otp1.JPG">
-            <a:extLst>
-              <a:ext uri="{FF2B5EF4-FFF2-40B4-BE49-F238E27FC236}">
-                <a16:creationId xmlns:a16="http://schemas.microsoft.com/office/drawing/2014/main" id="{899900FD-84CE-7A41-9580-06976E3F753A}"/>
+          <p:cNvPr id="5" name="Content Placeholder 4">
+            <a:extLst>
+              <a:ext uri="{FF2B5EF4-FFF2-40B4-BE49-F238E27FC236}">
+                <a16:creationId xmlns:a16="http://schemas.microsoft.com/office/drawing/2014/main" id="{70AC46AF-EDEA-3546-854D-7A63A8EFDDC1}"/>
               </a:ext>
             </a:extLst>
           </p:cNvPr>
           <p:cNvPicPr>
-            <a:picLocks noGrp="1" noChangeAspect="1" noChangeArrowheads="1"/>
+            <a:picLocks noGrp="1" noChangeAspect="1"/>
           </p:cNvPicPr>
           <p:nvPr>
             <p:ph idx="1"/>
           </p:nvPr>
         </p:nvPicPr>
         <p:blipFill>
-          <a:blip r:embed="rId2">
-            <a:extLst>
-              <a:ext uri="{28A0092B-C50C-407E-A947-70E740481C1C}">
-                <a14:useLocalDpi xmlns:a14="http://schemas.microsoft.com/office/drawing/2010/main" val="0"/>
-              </a:ext>
-            </a:extLst>
-          </a:blip>
-          <a:srcRect/>
+          <a:blip r:embed="rId2"/>
           <a:stretch>
             <a:fillRect/>
           </a:stretch>
         </p:blipFill>
-        <p:spPr bwMode="auto">
+        <p:spPr>
           <a:xfrm>
-            <a:off x="838200" y="393002"/>
-            <a:ext cx="6666571" cy="5841501"/>
+            <a:off x="1985022" y="1825625"/>
+            <a:ext cx="8221956" cy="4351338"/>
           </a:xfrm>
-          <a:prstGeom prst="rect">
-            <a:avLst/>
-          </a:prstGeom>
-          <a:noFill/>
-          <a:extLst>
-            <a:ext uri="{909E8E84-426E-40DD-AFC4-6F175D3DCCD1}">
-              <a14:hiddenFill xmlns:a14="http://schemas.microsoft.com/office/drawing/2010/main">
-                <a:solidFill>
-                  <a:srgbClr val="FFFFFF"/>
-                </a:solidFill>
-              </a14:hiddenFill>
-            </a:ext>
-          </a:extLst>
         </p:spPr>
       </p:pic>
     </p:spTree>
     <p:extLst>
       <p:ext uri="{BB962C8B-B14F-4D97-AF65-F5344CB8AC3E}">
-        <p14:creationId xmlns:p14="http://schemas.microsoft.com/office/powerpoint/2010/main" val="2427394683"/>
+        <p14:creationId xmlns:p14="http://schemas.microsoft.com/office/powerpoint/2010/main" val="1521049012"/>
       </p:ext>
     </p:extLst>
   </p:cSld>
@@ -4478,7 +5051,7 @@
           <p:cNvPr id="2" name="Title 1">
             <a:extLst>
               <a:ext uri="{FF2B5EF4-FFF2-40B4-BE49-F238E27FC236}">
-                <a16:creationId xmlns:a16="http://schemas.microsoft.com/office/drawing/2014/main" id="{EAB89E5F-3719-F745-91C1-F21672CEA345}"/>
+                <a16:creationId xmlns:a16="http://schemas.microsoft.com/office/drawing/2014/main" id="{B8DD4054-ADDA-9C48-9C56-C99BB52F4B7B}"/>
               </a:ext>
             </a:extLst>
           </p:cNvPr>
@@ -4496,104 +5069,44 @@
           <a:p>
             <a:r>
               <a:rPr lang="en-US" dirty="0"/>
-              <a:t>Storage format</a:t>
-            </a:r>
-          </a:p>
-        </p:txBody>
-      </p:sp>
-      <p:sp>
-        <p:nvSpPr>
-          <p:cNvPr id="3" name="Content Placeholder 2">
-            <a:extLst>
-              <a:ext uri="{FF2B5EF4-FFF2-40B4-BE49-F238E27FC236}">
-                <a16:creationId xmlns:a16="http://schemas.microsoft.com/office/drawing/2014/main" id="{68411AEA-1CB2-694A-9B84-938BB4B0EB45}"/>
-              </a:ext>
-            </a:extLst>
-          </p:cNvPr>
-          <p:cNvSpPr>
-            <a:spLocks noGrp="1"/>
-          </p:cNvSpPr>
+              <a:t>Store Configuration</a:t>
+            </a:r>
+          </a:p>
+        </p:txBody>
+      </p:sp>
+      <p:pic>
+        <p:nvPicPr>
+          <p:cNvPr id="5" name="Content Placeholder 4">
+            <a:extLst>
+              <a:ext uri="{FF2B5EF4-FFF2-40B4-BE49-F238E27FC236}">
+                <a16:creationId xmlns:a16="http://schemas.microsoft.com/office/drawing/2014/main" id="{715E5D4A-BD69-014F-8578-AA698E4F9E58}"/>
+              </a:ext>
+            </a:extLst>
+          </p:cNvPr>
+          <p:cNvPicPr>
+            <a:picLocks noGrp="1" noChangeAspect="1"/>
+          </p:cNvPicPr>
           <p:nvPr>
             <p:ph idx="1"/>
           </p:nvPr>
-        </p:nvSpPr>
-        <p:spPr/>
-        <p:txBody>
-          <a:bodyPr/>
-          <a:lstStyle/>
-          <a:p>
-            <a:r>
-              <a:rPr lang="en-US" dirty="0"/>
-              <a:t>Voldemort is java based (on a </a:t>
-            </a:r>
-            <a:r>
-              <a:rPr lang="en-US" dirty="0" err="1"/>
-              <a:t>jvm</a:t>
-            </a:r>
-            <a:r>
-              <a:rPr lang="en-US" dirty="0"/>
-              <a:t>) and uses OS to manage its memory</a:t>
-            </a:r>
-          </a:p>
-          <a:p>
-            <a:r>
-              <a:rPr lang="en-US" dirty="0"/>
-              <a:t>In Auth </a:t>
-            </a:r>
-          </a:p>
-          <a:p>
-            <a:pPr lvl="1"/>
-            <a:r>
-              <a:rPr lang="en-US" dirty="0" err="1"/>
-              <a:t>Otp</a:t>
-            </a:r>
-            <a:r>
-              <a:rPr lang="en-US" dirty="0"/>
-              <a:t> </a:t>
-            </a:r>
-            <a:r>
-              <a:rPr lang="en-US" dirty="0" err="1"/>
-              <a:t>store,Verify</a:t>
-            </a:r>
-            <a:r>
-              <a:rPr lang="en-US" dirty="0"/>
-              <a:t> </a:t>
-            </a:r>
-            <a:r>
-              <a:rPr lang="en-US" dirty="0" err="1"/>
-              <a:t>Store,Cache</a:t>
-            </a:r>
-            <a:r>
-              <a:rPr lang="en-US" dirty="0"/>
-              <a:t> Store</a:t>
-            </a:r>
-          </a:p>
-          <a:p>
-            <a:r>
-              <a:rPr lang="en-US" dirty="0"/>
-              <a:t>Keys used in Voldemort</a:t>
-            </a:r>
-          </a:p>
-          <a:p>
-            <a:pPr lvl="1"/>
-            <a:r>
-              <a:rPr lang="en-US" dirty="0"/>
-              <a:t>OTP -&gt;the timestamp</a:t>
-            </a:r>
-          </a:p>
-          <a:p>
-            <a:pPr lvl="1"/>
-            <a:r>
-              <a:rPr lang="en-US" dirty="0"/>
-              <a:t>Generic OTP -&gt; mobile no</a:t>
-            </a:r>
-          </a:p>
-        </p:txBody>
-      </p:sp>
+        </p:nvPicPr>
+        <p:blipFill>
+          <a:blip r:embed="rId2"/>
+          <a:stretch>
+            <a:fillRect/>
+          </a:stretch>
+        </p:blipFill>
+        <p:spPr>
+          <a:xfrm>
+            <a:off x="1895825" y="1825625"/>
+            <a:ext cx="8400349" cy="4351338"/>
+          </a:xfrm>
+        </p:spPr>
+      </p:pic>
     </p:spTree>
     <p:extLst>
       <p:ext uri="{BB962C8B-B14F-4D97-AF65-F5344CB8AC3E}">
-        <p14:creationId xmlns:p14="http://schemas.microsoft.com/office/powerpoint/2010/main" val="1194175641"/>
+        <p14:creationId xmlns:p14="http://schemas.microsoft.com/office/powerpoint/2010/main" val="1621929105"/>
       </p:ext>
     </p:extLst>
   </p:cSld>
@@ -4625,7 +5138,7 @@
           <p:cNvPr id="2" name="Title 1">
             <a:extLst>
               <a:ext uri="{FF2B5EF4-FFF2-40B4-BE49-F238E27FC236}">
-                <a16:creationId xmlns:a16="http://schemas.microsoft.com/office/drawing/2014/main" id="{39EA4F0C-B729-B940-9952-32C5222518A1}"/>
+                <a16:creationId xmlns:a16="http://schemas.microsoft.com/office/drawing/2014/main" id="{2B9A05EB-07C6-EA45-AC5D-6CC589A51AB4}"/>
               </a:ext>
             </a:extLst>
           </p:cNvPr>
@@ -4643,63 +5156,44 @@
           <a:p>
             <a:r>
               <a:rPr lang="en-US" dirty="0"/>
-              <a:t>Routing Modes</a:t>
-            </a:r>
-          </a:p>
-        </p:txBody>
-      </p:sp>
-      <p:sp>
-        <p:nvSpPr>
-          <p:cNvPr id="3" name="Content Placeholder 2">
-            <a:extLst>
-              <a:ext uri="{FF2B5EF4-FFF2-40B4-BE49-F238E27FC236}">
-                <a16:creationId xmlns:a16="http://schemas.microsoft.com/office/drawing/2014/main" id="{4B2BC2DC-BD12-D34C-B6C7-2C8ECDE1AABE}"/>
-              </a:ext>
-            </a:extLst>
-          </p:cNvPr>
-          <p:cNvSpPr>
-            <a:spLocks noGrp="1"/>
-          </p:cNvSpPr>
+              <a:t>Client Configuration</a:t>
+            </a:r>
+          </a:p>
+        </p:txBody>
+      </p:sp>
+      <p:pic>
+        <p:nvPicPr>
+          <p:cNvPr id="5" name="Content Placeholder 4">
+            <a:extLst>
+              <a:ext uri="{FF2B5EF4-FFF2-40B4-BE49-F238E27FC236}">
+                <a16:creationId xmlns:a16="http://schemas.microsoft.com/office/drawing/2014/main" id="{4F7DF199-50F9-D04B-93F3-DE7C56614B7B}"/>
+              </a:ext>
+            </a:extLst>
+          </p:cNvPr>
+          <p:cNvPicPr>
+            <a:picLocks noGrp="1" noChangeAspect="1"/>
+          </p:cNvPicPr>
           <p:nvPr>
             <p:ph idx="1"/>
           </p:nvPr>
-        </p:nvSpPr>
-        <p:spPr/>
-        <p:txBody>
-          <a:bodyPr/>
-          <a:lstStyle/>
-          <a:p>
-            <a:r>
-              <a:rPr lang="en-US" dirty="0"/>
-              <a:t>Client Side routing Retrieves </a:t>
-            </a:r>
-          </a:p>
-          <a:p>
-            <a:pPr lvl="1"/>
-            <a:r>
-              <a:rPr lang="en-US" dirty="0"/>
-              <a:t>meta-data and cluster topology makes the routing decision locally.</a:t>
-            </a:r>
-          </a:p>
-          <a:p>
-            <a:r>
-              <a:rPr lang="en-US" dirty="0"/>
-              <a:t>Server Side routing </a:t>
-            </a:r>
-          </a:p>
-          <a:p>
-            <a:pPr lvl="1"/>
-            <a:r>
-              <a:rPr lang="en-US" dirty="0"/>
-              <a:t>Server takes all the routing decision</a:t>
-            </a:r>
-          </a:p>
-        </p:txBody>
-      </p:sp>
+        </p:nvPicPr>
+        <p:blipFill>
+          <a:blip r:embed="rId2"/>
+          <a:stretch>
+            <a:fillRect/>
+          </a:stretch>
+        </p:blipFill>
+        <p:spPr>
+          <a:xfrm>
+            <a:off x="838200" y="2151999"/>
+            <a:ext cx="10515600" cy="3698590"/>
+          </a:xfrm>
+        </p:spPr>
+      </p:pic>
     </p:spTree>
     <p:extLst>
       <p:ext uri="{BB962C8B-B14F-4D97-AF65-F5344CB8AC3E}">
-        <p14:creationId xmlns:p14="http://schemas.microsoft.com/office/powerpoint/2010/main" val="356831900"/>
+        <p14:creationId xmlns:p14="http://schemas.microsoft.com/office/powerpoint/2010/main" val="1774531741"/>
       </p:ext>
     </p:extLst>
   </p:cSld>
